--- a/presentation/presentation.pptx
+++ b/presentation/presentation.pptx
@@ -22843,13 +22843,38 @@
               </a:lnSpc>
             </a:pPr>
             <a:r>
-              <a:rPr lang="en-US" sz="2200">
+              <a:rPr lang="en-US" sz="2200" dirty="0">
                 <a:solidFill>
                   <a:schemeClr val="tx1"/>
                 </a:solidFill>
               </a:rPr>
               <a:t>Wherein I tell you what I’m going to tell you…</a:t>
             </a:r>
+          </a:p>
+          <a:p>
+            <a:pPr>
+              <a:lnSpc>
+                <a:spcPct val="120000"/>
+              </a:lnSpc>
+            </a:pPr>
+            <a:r>
+              <a:rPr lang="en-US" sz="1800" u="sng">
+                <a:solidFill>
+                  <a:srgbClr val="467886"/>
+                </a:solidFill>
+                <a:effectLst/>
+                <a:latin typeface="Aptos" panose="020B0004020202020204" pitchFamily="34" charset="0"/>
+                <a:ea typeface="Aptos" panose="020B0004020202020204" pitchFamily="34" charset="0"/>
+                <a:cs typeface="Aptos" panose="020B0004020202020204" pitchFamily="34" charset="0"/>
+                <a:hlinkClick r:id="rId2"/>
+              </a:rPr>
+              <a:t>https://github.com/ericburcham/prompt-engineering</a:t>
+            </a:r>
+            <a:endParaRPr lang="en-US" sz="2200">
+              <a:solidFill>
+                <a:schemeClr val="tx1"/>
+              </a:solidFill>
+            </a:endParaRPr>
           </a:p>
         </p:txBody>
       </p:sp>
